--- a/AngularJS/lesson_17/Presentation/Directives_1.pptx
+++ b/AngularJS/lesson_17/Presentation/Directives_1.pptx
@@ -2390,7 +2390,7 @@
               <a:rPr lang="ru-RU" sz="1800" dirty="0">
                 <a:latin typeface="Calibri" pitchFamily="34" charset="0"/>
               </a:rPr>
-              <a:t>– маркер на элементе DOM дерева, который говорит </a:t>
+              <a:t>– маркер на элементе DOM дерева, который указывает </a:t>
             </a:r>
             <a:r>
               <a:rPr lang="ru-RU" sz="1800" dirty="0" err="1">
